--- a/알고리즘 스터디/3차시/tree().pptx
+++ b/알고리즘 스터디/3차시/tree().pptx
@@ -231,7 +231,7 @@
           <a:p>
             <a:fld id="{F405AD14-31A4-44ED-A01E-4028D6F2000F}" type="datetimeFigureOut">
               <a:rPr lang="ko-KR" altLang="en-US" smtClean="0"/>
-              <a:t>2020-02-18</a:t>
+              <a:t>2020-03-10</a:t>
             </a:fld>
             <a:endParaRPr lang="ko-KR" altLang="en-US"/>
           </a:p>
@@ -1005,7 +1005,7 @@
             <a:fld id="{87DE6118-2437-4B30-8E3C-4D2BE6020583}" type="datetimeFigureOut">
               <a:rPr lang="en-US" dirty="0"/>
               <a:pPr/>
-              <a:t>2/18/2020</a:t>
+              <a:t>3/10/2020</a:t>
             </a:fld>
             <a:endParaRPr lang="en-US" dirty="0"/>
           </a:p>
@@ -1331,7 +1331,7 @@
           <a:p>
             <a:fld id="{87DE6118-2437-4B30-8E3C-4D2BE6020583}" type="datetimeFigureOut">
               <a:rPr lang="en-US" dirty="0"/>
-              <a:t>2/18/2020</a:t>
+              <a:t>3/10/2020</a:t>
             </a:fld>
             <a:endParaRPr lang="en-US" dirty="0"/>
           </a:p>
@@ -1506,7 +1506,7 @@
           <a:p>
             <a:fld id="{87DE6118-2437-4B30-8E3C-4D2BE6020583}" type="datetimeFigureOut">
               <a:rPr lang="en-US" dirty="0"/>
-              <a:t>2/18/2020</a:t>
+              <a:t>3/10/2020</a:t>
             </a:fld>
             <a:endParaRPr lang="en-US" dirty="0"/>
           </a:p>
@@ -1694,7 +1694,7 @@
             <a:fld id="{87DE6118-2437-4B30-8E3C-4D2BE6020583}" type="datetimeFigureOut">
               <a:rPr lang="en-US" smtClean="0"/>
               <a:pPr/>
-              <a:t>2/18/2020</a:t>
+              <a:t>3/10/2020</a:t>
             </a:fld>
             <a:endParaRPr lang="en-US" dirty="0"/>
           </a:p>
@@ -1865,7 +1865,7 @@
           <a:p>
             <a:fld id="{87DE6118-2437-4B30-8E3C-4D2BE6020583}" type="datetimeFigureOut">
               <a:rPr lang="en-US" smtClean="0"/>
-              <a:t>2/18/2020</a:t>
+              <a:t>3/10/2020</a:t>
             </a:fld>
             <a:endParaRPr lang="en-US" dirty="0"/>
           </a:p>
@@ -2112,7 +2112,7 @@
             <a:fld id="{87DE6118-2437-4B30-8E3C-4D2BE6020583}" type="datetimeFigureOut">
               <a:rPr lang="en-US" smtClean="0"/>
               <a:pPr/>
-              <a:t>2/18/2020</a:t>
+              <a:t>3/10/2020</a:t>
             </a:fld>
             <a:endParaRPr lang="en-US" dirty="0"/>
           </a:p>
@@ -2345,7 +2345,7 @@
           <a:p>
             <a:fld id="{87DE6118-2437-4B30-8E3C-4D2BE6020583}" type="datetimeFigureOut">
               <a:rPr lang="en-US" smtClean="0"/>
-              <a:t>2/18/2020</a:t>
+              <a:t>3/10/2020</a:t>
             </a:fld>
             <a:endParaRPr lang="en-US" dirty="0"/>
           </a:p>
@@ -2712,7 +2712,7 @@
           <a:p>
             <a:fld id="{87DE6118-2437-4B30-8E3C-4D2BE6020583}" type="datetimeFigureOut">
               <a:rPr lang="en-US" smtClean="0"/>
-              <a:t>2/18/2020</a:t>
+              <a:t>3/10/2020</a:t>
             </a:fld>
             <a:endParaRPr lang="en-US" dirty="0"/>
           </a:p>
@@ -2830,7 +2830,7 @@
           <a:p>
             <a:fld id="{87DE6118-2437-4B30-8E3C-4D2BE6020583}" type="datetimeFigureOut">
               <a:rPr lang="en-US" smtClean="0"/>
-              <a:t>2/18/2020</a:t>
+              <a:t>3/10/2020</a:t>
             </a:fld>
             <a:endParaRPr lang="en-US" dirty="0"/>
           </a:p>
@@ -2925,7 +2925,7 @@
           <a:p>
             <a:fld id="{87DE6118-2437-4B30-8E3C-4D2BE6020583}" type="datetimeFigureOut">
               <a:rPr lang="en-US" smtClean="0"/>
-              <a:t>2/18/2020</a:t>
+              <a:t>3/10/2020</a:t>
             </a:fld>
             <a:endParaRPr lang="en-US" dirty="0"/>
           </a:p>
@@ -3203,7 +3203,7 @@
             <a:fld id="{87DE6118-2437-4B30-8E3C-4D2BE6020583}" type="datetimeFigureOut">
               <a:rPr lang="en-US" smtClean="0"/>
               <a:pPr/>
-              <a:t>2/18/2020</a:t>
+              <a:t>3/10/2020</a:t>
             </a:fld>
             <a:endParaRPr lang="en-US" dirty="0"/>
           </a:p>
@@ -3374,7 +3374,7 @@
           <a:p>
             <a:fld id="{87DE6118-2437-4B30-8E3C-4D2BE6020583}" type="datetimeFigureOut">
               <a:rPr lang="en-US" dirty="0"/>
-              <a:t>2/18/2020</a:t>
+              <a:t>3/10/2020</a:t>
             </a:fld>
             <a:endParaRPr lang="en-US" dirty="0"/>
           </a:p>
@@ -3623,7 +3623,7 @@
             <a:fld id="{87DE6118-2437-4B30-8E3C-4D2BE6020583}" type="datetimeFigureOut">
               <a:rPr lang="en-US" smtClean="0"/>
               <a:pPr/>
-              <a:t>2/18/2020</a:t>
+              <a:t>3/10/2020</a:t>
             </a:fld>
             <a:endParaRPr lang="en-US" dirty="0"/>
           </a:p>
@@ -3794,7 +3794,7 @@
           <a:p>
             <a:fld id="{87DE6118-2437-4B30-8E3C-4D2BE6020583}" type="datetimeFigureOut">
               <a:rPr lang="en-US" smtClean="0"/>
-              <a:t>2/18/2020</a:t>
+              <a:t>3/10/2020</a:t>
             </a:fld>
             <a:endParaRPr lang="en-US" dirty="0"/>
           </a:p>
@@ -3974,7 +3974,7 @@
           <a:p>
             <a:fld id="{87DE6118-2437-4B30-8E3C-4D2BE6020583}" type="datetimeFigureOut">
               <a:rPr lang="en-US" smtClean="0"/>
-              <a:t>2/18/2020</a:t>
+              <a:t>3/10/2020</a:t>
             </a:fld>
             <a:endParaRPr lang="en-US" dirty="0"/>
           </a:p>
@@ -4252,7 +4252,7 @@
             <a:fld id="{87DE6118-2437-4B30-8E3C-4D2BE6020583}" type="datetimeFigureOut">
               <a:rPr lang="en-US" dirty="0"/>
               <a:pPr/>
-              <a:t>2/18/2020</a:t>
+              <a:t>3/10/2020</a:t>
             </a:fld>
             <a:endParaRPr lang="en-US" dirty="0"/>
           </a:p>
@@ -4642,7 +4642,7 @@
           <a:p>
             <a:fld id="{87DE6118-2437-4B30-8E3C-4D2BE6020583}" type="datetimeFigureOut">
               <a:rPr lang="en-US" dirty="0"/>
-              <a:t>2/18/2020</a:t>
+              <a:t>3/10/2020</a:t>
             </a:fld>
             <a:endParaRPr lang="en-US" dirty="0"/>
           </a:p>
@@ -5114,7 +5114,7 @@
           <a:p>
             <a:fld id="{87DE6118-2437-4B30-8E3C-4D2BE6020583}" type="datetimeFigureOut">
               <a:rPr lang="en-US" dirty="0"/>
-              <a:t>2/18/2020</a:t>
+              <a:t>3/10/2020</a:t>
             </a:fld>
             <a:endParaRPr lang="en-US" dirty="0"/>
           </a:p>
@@ -5227,7 +5227,7 @@
           <a:p>
             <a:fld id="{87DE6118-2437-4B30-8E3C-4D2BE6020583}" type="datetimeFigureOut">
               <a:rPr lang="en-US" dirty="0"/>
-              <a:t>2/18/2020</a:t>
+              <a:t>3/10/2020</a:t>
             </a:fld>
             <a:endParaRPr lang="en-US" dirty="0"/>
           </a:p>
@@ -5317,7 +5317,7 @@
           <a:p>
             <a:fld id="{87DE6118-2437-4B30-8E3C-4D2BE6020583}" type="datetimeFigureOut">
               <a:rPr lang="en-US" dirty="0"/>
-              <a:t>2/18/2020</a:t>
+              <a:t>3/10/2020</a:t>
             </a:fld>
             <a:endParaRPr lang="en-US" dirty="0"/>
           </a:p>
@@ -5659,7 +5659,7 @@
             <a:fld id="{87DE6118-2437-4B30-8E3C-4D2BE6020583}" type="datetimeFigureOut">
               <a:rPr lang="en-US" dirty="0"/>
               <a:pPr/>
-              <a:t>2/18/2020</a:t>
+              <a:t>3/10/2020</a:t>
             </a:fld>
             <a:endParaRPr lang="en-US" dirty="0"/>
           </a:p>
@@ -6044,7 +6044,7 @@
             <a:fld id="{87DE6118-2437-4B30-8E3C-4D2BE6020583}" type="datetimeFigureOut">
               <a:rPr lang="en-US" dirty="0"/>
               <a:pPr/>
-              <a:t>2/18/2020</a:t>
+              <a:t>3/10/2020</a:t>
             </a:fld>
             <a:endParaRPr lang="en-US" dirty="0"/>
           </a:p>
@@ -6319,7 +6319,7 @@
             <a:fld id="{87DE6118-2437-4B30-8E3C-4D2BE6020583}" type="datetimeFigureOut">
               <a:rPr lang="en-US" dirty="0"/>
               <a:pPr/>
-              <a:t>2/18/2020</a:t>
+              <a:t>3/10/2020</a:t>
             </a:fld>
             <a:endParaRPr lang="en-US" dirty="0"/>
           </a:p>
@@ -6963,7 +6963,7 @@
             <a:fld id="{87DE6118-2437-4B30-8E3C-4D2BE6020583}" type="datetimeFigureOut">
               <a:rPr lang="en-US" smtClean="0"/>
               <a:pPr/>
-              <a:t>2/18/2020</a:t>
+              <a:t>3/10/2020</a:t>
             </a:fld>
             <a:endParaRPr lang="en-US" dirty="0"/>
           </a:p>
@@ -7379,7 +7379,7 @@
           <p:cNvPr id="2" name="제목 1">
             <a:extLst>
               <a:ext uri="{FF2B5EF4-FFF2-40B4-BE49-F238E27FC236}">
-                <a16:creationId xmlns:a16="http://schemas.microsoft.com/office/drawing/2014/main" xmlns="" id="{43D5FFA4-A17B-452A-8B77-56F29C241175}"/>
+                <a16:creationId xmlns="" xmlns:a16="http://schemas.microsoft.com/office/drawing/2014/main" id="{43D5FFA4-A17B-452A-8B77-56F29C241175}"/>
               </a:ext>
             </a:extLst>
           </p:cNvPr>
@@ -7407,7 +7407,7 @@
           <p:cNvPr id="3" name="부제목 2">
             <a:extLst>
               <a:ext uri="{FF2B5EF4-FFF2-40B4-BE49-F238E27FC236}">
-                <a16:creationId xmlns:a16="http://schemas.microsoft.com/office/drawing/2014/main" xmlns="" id="{AB389932-118E-4CCE-99F1-E22293F51884}"/>
+                <a16:creationId xmlns="" xmlns:a16="http://schemas.microsoft.com/office/drawing/2014/main" id="{AB389932-118E-4CCE-99F1-E22293F51884}"/>
               </a:ext>
             </a:extLst>
           </p:cNvPr>
@@ -7469,7 +7469,7 @@
           <p:cNvPr id="2" name="제목 1">
             <a:extLst>
               <a:ext uri="{FF2B5EF4-FFF2-40B4-BE49-F238E27FC236}">
-                <a16:creationId xmlns:a16="http://schemas.microsoft.com/office/drawing/2014/main" xmlns="" id="{AD7962EC-5E25-4B40-949C-0D568BF08203}"/>
+                <a16:creationId xmlns="" xmlns:a16="http://schemas.microsoft.com/office/drawing/2014/main" id="{AD7962EC-5E25-4B40-949C-0D568BF08203}"/>
               </a:ext>
             </a:extLst>
           </p:cNvPr>
@@ -7498,7 +7498,7 @@
           <p:cNvPr id="4" name="Picture 2">
             <a:extLst>
               <a:ext uri="{FF2B5EF4-FFF2-40B4-BE49-F238E27FC236}">
-                <a16:creationId xmlns:a16="http://schemas.microsoft.com/office/drawing/2014/main" xmlns="" id="{8DE81923-1667-4275-8B10-D004AC82AE04}"/>
+                <a16:creationId xmlns="" xmlns:a16="http://schemas.microsoft.com/office/drawing/2014/main" id="{8DE81923-1667-4275-8B10-D004AC82AE04}"/>
               </a:ext>
             </a:extLst>
           </p:cNvPr>
@@ -7545,7 +7545,7 @@
           <p:cNvPr id="6" name="TextBox 5">
             <a:extLst>
               <a:ext uri="{FF2B5EF4-FFF2-40B4-BE49-F238E27FC236}">
-                <a16:creationId xmlns:a16="http://schemas.microsoft.com/office/drawing/2014/main" xmlns="" id="{FDBB0C31-ACEE-4719-8EB7-0A94EAAA3B40}"/>
+                <a16:creationId xmlns="" xmlns:a16="http://schemas.microsoft.com/office/drawing/2014/main" id="{FDBB0C31-ACEE-4719-8EB7-0A94EAAA3B40}"/>
               </a:ext>
             </a:extLst>
           </p:cNvPr>
@@ -7585,7 +7585,7 @@
           <p:cNvPr id="5" name="타원 4">
             <a:extLst>
               <a:ext uri="{FF2B5EF4-FFF2-40B4-BE49-F238E27FC236}">
-                <a16:creationId xmlns:a16="http://schemas.microsoft.com/office/drawing/2014/main" xmlns="" id="{018EB91D-9BD4-4717-9C45-A98CB057AFB0}"/>
+                <a16:creationId xmlns="" xmlns:a16="http://schemas.microsoft.com/office/drawing/2014/main" id="{018EB91D-9BD4-4717-9C45-A98CB057AFB0}"/>
               </a:ext>
             </a:extLst>
           </p:cNvPr>
@@ -7637,7 +7637,7 @@
           <p:cNvPr id="12" name="타원 11">
             <a:extLst>
               <a:ext uri="{FF2B5EF4-FFF2-40B4-BE49-F238E27FC236}">
-                <a16:creationId xmlns:a16="http://schemas.microsoft.com/office/drawing/2014/main" xmlns="" id="{EEF98117-1939-4F98-A740-2A511742EA05}"/>
+                <a16:creationId xmlns="" xmlns:a16="http://schemas.microsoft.com/office/drawing/2014/main" id="{EEF98117-1939-4F98-A740-2A511742EA05}"/>
               </a:ext>
             </a:extLst>
           </p:cNvPr>
@@ -7689,7 +7689,7 @@
           <p:cNvPr id="13" name="타원 12">
             <a:extLst>
               <a:ext uri="{FF2B5EF4-FFF2-40B4-BE49-F238E27FC236}">
-                <a16:creationId xmlns:a16="http://schemas.microsoft.com/office/drawing/2014/main" xmlns="" id="{C9D78552-9268-43D6-A710-242242994B41}"/>
+                <a16:creationId xmlns="" xmlns:a16="http://schemas.microsoft.com/office/drawing/2014/main" id="{C9D78552-9268-43D6-A710-242242994B41}"/>
               </a:ext>
             </a:extLst>
           </p:cNvPr>
@@ -7741,7 +7741,7 @@
           <p:cNvPr id="14" name="타원 13">
             <a:extLst>
               <a:ext uri="{FF2B5EF4-FFF2-40B4-BE49-F238E27FC236}">
-                <a16:creationId xmlns:a16="http://schemas.microsoft.com/office/drawing/2014/main" xmlns="" id="{7FCB14AA-9AC0-452B-8210-A2C95F2F20D8}"/>
+                <a16:creationId xmlns="" xmlns:a16="http://schemas.microsoft.com/office/drawing/2014/main" id="{7FCB14AA-9AC0-452B-8210-A2C95F2F20D8}"/>
               </a:ext>
             </a:extLst>
           </p:cNvPr>
@@ -7793,7 +7793,7 @@
           <p:cNvPr id="7" name="TextBox 6">
             <a:extLst>
               <a:ext uri="{FF2B5EF4-FFF2-40B4-BE49-F238E27FC236}">
-                <a16:creationId xmlns:a16="http://schemas.microsoft.com/office/drawing/2014/main" xmlns="" id="{CCEAEFD3-74D7-4D72-9673-0308BCFCA61C}"/>
+                <a16:creationId xmlns="" xmlns:a16="http://schemas.microsoft.com/office/drawing/2014/main" id="{CCEAEFD3-74D7-4D72-9673-0308BCFCA61C}"/>
               </a:ext>
             </a:extLst>
           </p:cNvPr>
@@ -7853,7 +7853,7 @@
           <p:cNvPr id="10" name="제목 1">
             <a:extLst>
               <a:ext uri="{FF2B5EF4-FFF2-40B4-BE49-F238E27FC236}">
-                <a16:creationId xmlns:a16="http://schemas.microsoft.com/office/drawing/2014/main" xmlns="" id="{86746E76-5781-4B0F-A36F-E50D0A753791}"/>
+                <a16:creationId xmlns="" xmlns:a16="http://schemas.microsoft.com/office/drawing/2014/main" id="{86746E76-5781-4B0F-A36F-E50D0A753791}"/>
               </a:ext>
             </a:extLst>
           </p:cNvPr>
@@ -8154,7 +8154,7 @@
           <p:cNvPr id="2" name="제목 1">
             <a:extLst>
               <a:ext uri="{FF2B5EF4-FFF2-40B4-BE49-F238E27FC236}">
-                <a16:creationId xmlns:a16="http://schemas.microsoft.com/office/drawing/2014/main" xmlns="" id="{09605417-EA47-4B43-8F0A-C60FAF27F62B}"/>
+                <a16:creationId xmlns="" xmlns:a16="http://schemas.microsoft.com/office/drawing/2014/main" id="{09605417-EA47-4B43-8F0A-C60FAF27F62B}"/>
               </a:ext>
             </a:extLst>
           </p:cNvPr>
@@ -8183,7 +8183,7 @@
           <p:cNvPr id="3" name="내용 개체 틀 2">
             <a:extLst>
               <a:ext uri="{FF2B5EF4-FFF2-40B4-BE49-F238E27FC236}">
-                <a16:creationId xmlns:a16="http://schemas.microsoft.com/office/drawing/2014/main" xmlns="" id="{8185734C-422F-419C-995B-2B72D1C8CB1F}"/>
+                <a16:creationId xmlns="" xmlns:a16="http://schemas.microsoft.com/office/drawing/2014/main" id="{8185734C-422F-419C-995B-2B72D1C8CB1F}"/>
               </a:ext>
             </a:extLst>
           </p:cNvPr>
@@ -8225,7 +8225,7 @@
           <p:cNvPr id="4" name="Picture 2">
             <a:extLst>
               <a:ext uri="{FF2B5EF4-FFF2-40B4-BE49-F238E27FC236}">
-                <a16:creationId xmlns:a16="http://schemas.microsoft.com/office/drawing/2014/main" xmlns="" id="{C85CD944-EA41-48CC-8C1B-87AA7249EEAC}"/>
+                <a16:creationId xmlns="" xmlns:a16="http://schemas.microsoft.com/office/drawing/2014/main" id="{C85CD944-EA41-48CC-8C1B-87AA7249EEAC}"/>
               </a:ext>
             </a:extLst>
           </p:cNvPr>
@@ -8347,7 +8347,7 @@
           <p:cNvPr id="8" name="제목 1">
             <a:extLst>
               <a:ext uri="{FF2B5EF4-FFF2-40B4-BE49-F238E27FC236}">
-                <a16:creationId xmlns:a16="http://schemas.microsoft.com/office/drawing/2014/main" xmlns="" id="{86746E76-5781-4B0F-A36F-E50D0A753791}"/>
+                <a16:creationId xmlns="" xmlns:a16="http://schemas.microsoft.com/office/drawing/2014/main" id="{86746E76-5781-4B0F-A36F-E50D0A753791}"/>
               </a:ext>
             </a:extLst>
           </p:cNvPr>
@@ -8898,7 +8898,7 @@
           <p:cNvPr id="2" name="제목 1">
             <a:extLst>
               <a:ext uri="{FF2B5EF4-FFF2-40B4-BE49-F238E27FC236}">
-                <a16:creationId xmlns:a16="http://schemas.microsoft.com/office/drawing/2014/main" xmlns="" id="{09605417-EA47-4B43-8F0A-C60FAF27F62B}"/>
+                <a16:creationId xmlns="" xmlns:a16="http://schemas.microsoft.com/office/drawing/2014/main" id="{09605417-EA47-4B43-8F0A-C60FAF27F62B}"/>
               </a:ext>
             </a:extLst>
           </p:cNvPr>
@@ -8927,7 +8927,7 @@
           <p:cNvPr id="3" name="내용 개체 틀 2">
             <a:extLst>
               <a:ext uri="{FF2B5EF4-FFF2-40B4-BE49-F238E27FC236}">
-                <a16:creationId xmlns:a16="http://schemas.microsoft.com/office/drawing/2014/main" xmlns="" id="{8185734C-422F-419C-995B-2B72D1C8CB1F}"/>
+                <a16:creationId xmlns="" xmlns:a16="http://schemas.microsoft.com/office/drawing/2014/main" id="{8185734C-422F-419C-995B-2B72D1C8CB1F}"/>
               </a:ext>
             </a:extLst>
           </p:cNvPr>
@@ -8969,7 +8969,7 @@
           <p:cNvPr id="4" name="Picture 2">
             <a:extLst>
               <a:ext uri="{FF2B5EF4-FFF2-40B4-BE49-F238E27FC236}">
-                <a16:creationId xmlns:a16="http://schemas.microsoft.com/office/drawing/2014/main" xmlns="" id="{C85CD944-EA41-48CC-8C1B-87AA7249EEAC}"/>
+                <a16:creationId xmlns="" xmlns:a16="http://schemas.microsoft.com/office/drawing/2014/main" id="{C85CD944-EA41-48CC-8C1B-87AA7249EEAC}"/>
               </a:ext>
             </a:extLst>
           </p:cNvPr>
@@ -9249,7 +9249,7 @@
           <p:cNvPr id="13" name="제목 1">
             <a:extLst>
               <a:ext uri="{FF2B5EF4-FFF2-40B4-BE49-F238E27FC236}">
-                <a16:creationId xmlns:a16="http://schemas.microsoft.com/office/drawing/2014/main" xmlns="" id="{86746E76-5781-4B0F-A36F-E50D0A753791}"/>
+                <a16:creationId xmlns="" xmlns:a16="http://schemas.microsoft.com/office/drawing/2014/main" id="{86746E76-5781-4B0F-A36F-E50D0A753791}"/>
               </a:ext>
             </a:extLst>
           </p:cNvPr>
@@ -9700,7 +9700,7 @@
           <p:cNvPr id="2" name="제목 1">
             <a:extLst>
               <a:ext uri="{FF2B5EF4-FFF2-40B4-BE49-F238E27FC236}">
-                <a16:creationId xmlns:a16="http://schemas.microsoft.com/office/drawing/2014/main" xmlns="" id="{09605417-EA47-4B43-8F0A-C60FAF27F62B}"/>
+                <a16:creationId xmlns="" xmlns:a16="http://schemas.microsoft.com/office/drawing/2014/main" id="{09605417-EA47-4B43-8F0A-C60FAF27F62B}"/>
               </a:ext>
             </a:extLst>
           </p:cNvPr>
@@ -9729,7 +9729,7 @@
           <p:cNvPr id="3" name="내용 개체 틀 2">
             <a:extLst>
               <a:ext uri="{FF2B5EF4-FFF2-40B4-BE49-F238E27FC236}">
-                <a16:creationId xmlns:a16="http://schemas.microsoft.com/office/drawing/2014/main" xmlns="" id="{8185734C-422F-419C-995B-2B72D1C8CB1F}"/>
+                <a16:creationId xmlns="" xmlns:a16="http://schemas.microsoft.com/office/drawing/2014/main" id="{8185734C-422F-419C-995B-2B72D1C8CB1F}"/>
               </a:ext>
             </a:extLst>
           </p:cNvPr>
@@ -9798,7 +9798,7 @@
           <p:cNvPr id="4" name="Picture 2">
             <a:extLst>
               <a:ext uri="{FF2B5EF4-FFF2-40B4-BE49-F238E27FC236}">
-                <a16:creationId xmlns:a16="http://schemas.microsoft.com/office/drawing/2014/main" xmlns="" id="{C85CD944-EA41-48CC-8C1B-87AA7249EEAC}"/>
+                <a16:creationId xmlns="" xmlns:a16="http://schemas.microsoft.com/office/drawing/2014/main" id="{C85CD944-EA41-48CC-8C1B-87AA7249EEAC}"/>
               </a:ext>
             </a:extLst>
           </p:cNvPr>
@@ -10167,7 +10167,7 @@
           <p:cNvPr id="19" name="제목 1">
             <a:extLst>
               <a:ext uri="{FF2B5EF4-FFF2-40B4-BE49-F238E27FC236}">
-                <a16:creationId xmlns:a16="http://schemas.microsoft.com/office/drawing/2014/main" xmlns="" id="{86746E76-5781-4B0F-A36F-E50D0A753791}"/>
+                <a16:creationId xmlns="" xmlns:a16="http://schemas.microsoft.com/office/drawing/2014/main" id="{86746E76-5781-4B0F-A36F-E50D0A753791}"/>
               </a:ext>
             </a:extLst>
           </p:cNvPr>
@@ -10263,7 +10263,7 @@
           <p:cNvPr id="2" name="제목 1">
             <a:extLst>
               <a:ext uri="{FF2B5EF4-FFF2-40B4-BE49-F238E27FC236}">
-                <a16:creationId xmlns:a16="http://schemas.microsoft.com/office/drawing/2014/main" xmlns="" id="{09605417-EA47-4B43-8F0A-C60FAF27F62B}"/>
+                <a16:creationId xmlns="" xmlns:a16="http://schemas.microsoft.com/office/drawing/2014/main" id="{09605417-EA47-4B43-8F0A-C60FAF27F62B}"/>
               </a:ext>
             </a:extLst>
           </p:cNvPr>
@@ -10292,7 +10292,7 @@
           <p:cNvPr id="3" name="내용 개체 틀 2">
             <a:extLst>
               <a:ext uri="{FF2B5EF4-FFF2-40B4-BE49-F238E27FC236}">
-                <a16:creationId xmlns:a16="http://schemas.microsoft.com/office/drawing/2014/main" xmlns="" id="{8185734C-422F-419C-995B-2B72D1C8CB1F}"/>
+                <a16:creationId xmlns="" xmlns:a16="http://schemas.microsoft.com/office/drawing/2014/main" id="{8185734C-422F-419C-995B-2B72D1C8CB1F}"/>
               </a:ext>
             </a:extLst>
           </p:cNvPr>
@@ -10350,7 +10350,7 @@
           <p:cNvPr id="19" name="제목 1">
             <a:extLst>
               <a:ext uri="{FF2B5EF4-FFF2-40B4-BE49-F238E27FC236}">
-                <a16:creationId xmlns:a16="http://schemas.microsoft.com/office/drawing/2014/main" xmlns="" id="{86746E76-5781-4B0F-A36F-E50D0A753791}"/>
+                <a16:creationId xmlns="" xmlns:a16="http://schemas.microsoft.com/office/drawing/2014/main" id="{86746E76-5781-4B0F-A36F-E50D0A753791}"/>
               </a:ext>
             </a:extLst>
           </p:cNvPr>
@@ -10776,7 +10776,7 @@
           <p:cNvPr id="2" name="제목 1">
             <a:extLst>
               <a:ext uri="{FF2B5EF4-FFF2-40B4-BE49-F238E27FC236}">
-                <a16:creationId xmlns:a16="http://schemas.microsoft.com/office/drawing/2014/main" xmlns="" id="{09605417-EA47-4B43-8F0A-C60FAF27F62B}"/>
+                <a16:creationId xmlns="" xmlns:a16="http://schemas.microsoft.com/office/drawing/2014/main" id="{09605417-EA47-4B43-8F0A-C60FAF27F62B}"/>
               </a:ext>
             </a:extLst>
           </p:cNvPr>
@@ -10805,7 +10805,7 @@
           <p:cNvPr id="3" name="내용 개체 틀 2">
             <a:extLst>
               <a:ext uri="{FF2B5EF4-FFF2-40B4-BE49-F238E27FC236}">
-                <a16:creationId xmlns:a16="http://schemas.microsoft.com/office/drawing/2014/main" xmlns="" id="{8185734C-422F-419C-995B-2B72D1C8CB1F}"/>
+                <a16:creationId xmlns="" xmlns:a16="http://schemas.microsoft.com/office/drawing/2014/main" id="{8185734C-422F-419C-995B-2B72D1C8CB1F}"/>
               </a:ext>
             </a:extLst>
           </p:cNvPr>
@@ -10855,7 +10855,7 @@
           <p:cNvPr id="19" name="제목 1">
             <a:extLst>
               <a:ext uri="{FF2B5EF4-FFF2-40B4-BE49-F238E27FC236}">
-                <a16:creationId xmlns:a16="http://schemas.microsoft.com/office/drawing/2014/main" xmlns="" id="{86746E76-5781-4B0F-A36F-E50D0A753791}"/>
+                <a16:creationId xmlns="" xmlns:a16="http://schemas.microsoft.com/office/drawing/2014/main" id="{86746E76-5781-4B0F-A36F-E50D0A753791}"/>
               </a:ext>
             </a:extLst>
           </p:cNvPr>
@@ -11286,7 +11286,7 @@
           <p:cNvPr id="2" name="제목 1">
             <a:extLst>
               <a:ext uri="{FF2B5EF4-FFF2-40B4-BE49-F238E27FC236}">
-                <a16:creationId xmlns:a16="http://schemas.microsoft.com/office/drawing/2014/main" xmlns="" id="{09605417-EA47-4B43-8F0A-C60FAF27F62B}"/>
+                <a16:creationId xmlns="" xmlns:a16="http://schemas.microsoft.com/office/drawing/2014/main" id="{09605417-EA47-4B43-8F0A-C60FAF27F62B}"/>
               </a:ext>
             </a:extLst>
           </p:cNvPr>
@@ -11315,7 +11315,7 @@
           <p:cNvPr id="3" name="내용 개체 틀 2">
             <a:extLst>
               <a:ext uri="{FF2B5EF4-FFF2-40B4-BE49-F238E27FC236}">
-                <a16:creationId xmlns:a16="http://schemas.microsoft.com/office/drawing/2014/main" xmlns="" id="{8185734C-422F-419C-995B-2B72D1C8CB1F}"/>
+                <a16:creationId xmlns="" xmlns:a16="http://schemas.microsoft.com/office/drawing/2014/main" id="{8185734C-422F-419C-995B-2B72D1C8CB1F}"/>
               </a:ext>
             </a:extLst>
           </p:cNvPr>
@@ -11353,7 +11353,7 @@
           <p:cNvPr id="19" name="제목 1">
             <a:extLst>
               <a:ext uri="{FF2B5EF4-FFF2-40B4-BE49-F238E27FC236}">
-                <a16:creationId xmlns:a16="http://schemas.microsoft.com/office/drawing/2014/main" xmlns="" id="{86746E76-5781-4B0F-A36F-E50D0A753791}"/>
+                <a16:creationId xmlns="" xmlns:a16="http://schemas.microsoft.com/office/drawing/2014/main" id="{86746E76-5781-4B0F-A36F-E50D0A753791}"/>
               </a:ext>
             </a:extLst>
           </p:cNvPr>
@@ -12459,7 +12459,7 @@
           <p:cNvPr id="19" name="제목 1">
             <a:extLst>
               <a:ext uri="{FF2B5EF4-FFF2-40B4-BE49-F238E27FC236}">
-                <a16:creationId xmlns:a16="http://schemas.microsoft.com/office/drawing/2014/main" xmlns="" id="{86746E76-5781-4B0F-A36F-E50D0A753791}"/>
+                <a16:creationId xmlns="" xmlns:a16="http://schemas.microsoft.com/office/drawing/2014/main" id="{86746E76-5781-4B0F-A36F-E50D0A753791}"/>
               </a:ext>
             </a:extLst>
           </p:cNvPr>
@@ -16917,7 +16917,7 @@
           <p:cNvPr id="2" name="제목 1">
             <a:extLst>
               <a:ext uri="{FF2B5EF4-FFF2-40B4-BE49-F238E27FC236}">
-                <a16:creationId xmlns:a16="http://schemas.microsoft.com/office/drawing/2014/main" xmlns="" id="{0F3F6C43-1B9E-4996-8B97-D2D56134FEDC}"/>
+                <a16:creationId xmlns="" xmlns:a16="http://schemas.microsoft.com/office/drawing/2014/main" id="{0F3F6C43-1B9E-4996-8B97-D2D56134FEDC}"/>
               </a:ext>
             </a:extLst>
           </p:cNvPr>
@@ -16950,7 +16950,7 @@
           <p:cNvPr id="3" name="내용 개체 틀 2">
             <a:extLst>
               <a:ext uri="{FF2B5EF4-FFF2-40B4-BE49-F238E27FC236}">
-                <a16:creationId xmlns:a16="http://schemas.microsoft.com/office/drawing/2014/main" xmlns="" id="{E7F1FED9-F741-4C86-9E24-E133BCBCA2BF}"/>
+                <a16:creationId xmlns="" xmlns:a16="http://schemas.microsoft.com/office/drawing/2014/main" id="{E7F1FED9-F741-4C86-9E24-E133BCBCA2BF}"/>
               </a:ext>
             </a:extLst>
           </p:cNvPr>
@@ -17045,7 +17045,7 @@
           <p:cNvPr id="4" name="그림 3">
             <a:extLst>
               <a:ext uri="{FF2B5EF4-FFF2-40B4-BE49-F238E27FC236}">
-                <a16:creationId xmlns:a16="http://schemas.microsoft.com/office/drawing/2014/main" xmlns="" id="{95ECDF40-1F04-40DA-A496-B17A7D6CE185}"/>
+                <a16:creationId xmlns="" xmlns:a16="http://schemas.microsoft.com/office/drawing/2014/main" id="{95ECDF40-1F04-40DA-A496-B17A7D6CE185}"/>
               </a:ext>
             </a:extLst>
           </p:cNvPr>
@@ -30121,7 +30121,7 @@
           <p:cNvPr id="1026" name="Picture 2" descr="computer directory structure">
             <a:extLst>
               <a:ext uri="{FF2B5EF4-FFF2-40B4-BE49-F238E27FC236}">
-                <a16:creationId xmlns:a16="http://schemas.microsoft.com/office/drawing/2014/main" xmlns="" id="{89BF43DC-DFB2-43D9-970B-7E398397E48E}"/>
+                <a16:creationId xmlns="" xmlns:a16="http://schemas.microsoft.com/office/drawing/2014/main" id="{89BF43DC-DFB2-43D9-970B-7E398397E48E}"/>
               </a:ext>
             </a:extLst>
           </p:cNvPr>
@@ -30168,7 +30168,7 @@
           <p:cNvPr id="5" name="제목 1">
             <a:extLst>
               <a:ext uri="{FF2B5EF4-FFF2-40B4-BE49-F238E27FC236}">
-                <a16:creationId xmlns:a16="http://schemas.microsoft.com/office/drawing/2014/main" xmlns="" id="{959720D6-4F50-41A5-BE68-68378E641B79}"/>
+                <a16:creationId xmlns="" xmlns:a16="http://schemas.microsoft.com/office/drawing/2014/main" id="{959720D6-4F50-41A5-BE68-68378E641B79}"/>
               </a:ext>
             </a:extLst>
           </p:cNvPr>
@@ -42657,13 +42657,7 @@
               <a:rPr lang="en-US" altLang="ko-KR" sz="2000">
                 <a:hlinkClick r:id="rId5"/>
               </a:rPr>
-              <a:t>https</a:t>
-            </a:r>
-            <a:r>
-              <a:rPr lang="en-US" altLang="ko-KR" sz="2000">
-                <a:hlinkClick r:id="rId5"/>
-              </a:rPr>
-              <a:t>://</a:t>
+              <a:t>https://</a:t>
             </a:r>
             <a:r>
               <a:rPr lang="en-US" altLang="ko-KR" sz="2000" smtClean="0">
@@ -42761,7 +42755,7 @@
           <p:cNvPr id="2" name="제목 1">
             <a:extLst>
               <a:ext uri="{FF2B5EF4-FFF2-40B4-BE49-F238E27FC236}">
-                <a16:creationId xmlns:a16="http://schemas.microsoft.com/office/drawing/2014/main" xmlns="" id="{EC77AAC2-3147-478A-B57D-08332FE699B0}"/>
+                <a16:creationId xmlns="" xmlns:a16="http://schemas.microsoft.com/office/drawing/2014/main" id="{EC77AAC2-3147-478A-B57D-08332FE699B0}"/>
               </a:ext>
             </a:extLst>
           </p:cNvPr>
@@ -42794,7 +42788,7 @@
           <p:cNvPr id="3" name="내용 개체 틀 2">
             <a:extLst>
               <a:ext uri="{FF2B5EF4-FFF2-40B4-BE49-F238E27FC236}">
-                <a16:creationId xmlns:a16="http://schemas.microsoft.com/office/drawing/2014/main" xmlns="" id="{A855EDF9-6722-44D0-9047-ADA9CFF74916}"/>
+                <a16:creationId xmlns="" xmlns:a16="http://schemas.microsoft.com/office/drawing/2014/main" id="{A855EDF9-6722-44D0-9047-ADA9CFF74916}"/>
               </a:ext>
             </a:extLst>
           </p:cNvPr>
@@ -42922,7 +42916,7 @@
           <p:cNvPr id="4" name="Picture 2">
             <a:extLst>
               <a:ext uri="{FF2B5EF4-FFF2-40B4-BE49-F238E27FC236}">
-                <a16:creationId xmlns:a16="http://schemas.microsoft.com/office/drawing/2014/main" xmlns="" id="{99DEA2BA-2C0C-4250-9CA2-7EC64760F45A}"/>
+                <a16:creationId xmlns="" xmlns:a16="http://schemas.microsoft.com/office/drawing/2014/main" id="{99DEA2BA-2C0C-4250-9CA2-7EC64760F45A}"/>
               </a:ext>
             </a:extLst>
           </p:cNvPr>
@@ -42969,7 +42963,7 @@
           <p:cNvPr id="5" name="타원 4">
             <a:extLst>
               <a:ext uri="{FF2B5EF4-FFF2-40B4-BE49-F238E27FC236}">
-                <a16:creationId xmlns:a16="http://schemas.microsoft.com/office/drawing/2014/main" xmlns="" id="{52C6927B-D94A-4FD9-80CF-9474B231BFA4}"/>
+                <a16:creationId xmlns="" xmlns:a16="http://schemas.microsoft.com/office/drawing/2014/main" id="{52C6927B-D94A-4FD9-80CF-9474B231BFA4}"/>
               </a:ext>
             </a:extLst>
           </p:cNvPr>
@@ -43021,7 +43015,7 @@
           <p:cNvPr id="6" name="TextBox 5">
             <a:extLst>
               <a:ext uri="{FF2B5EF4-FFF2-40B4-BE49-F238E27FC236}">
-                <a16:creationId xmlns:a16="http://schemas.microsoft.com/office/drawing/2014/main" xmlns="" id="{17ACBF28-5F28-4FBD-AE59-CBFC0642A464}"/>
+                <a16:creationId xmlns="" xmlns:a16="http://schemas.microsoft.com/office/drawing/2014/main" id="{17ACBF28-5F28-4FBD-AE59-CBFC0642A464}"/>
               </a:ext>
             </a:extLst>
           </p:cNvPr>
@@ -43084,7 +43078,7 @@
           <p:cNvPr id="7" name="타원 6">
             <a:extLst>
               <a:ext uri="{FF2B5EF4-FFF2-40B4-BE49-F238E27FC236}">
-                <a16:creationId xmlns:a16="http://schemas.microsoft.com/office/drawing/2014/main" xmlns="" id="{52A618A3-4EC6-40CD-97BC-271ED9B7D2C9}"/>
+                <a16:creationId xmlns="" xmlns:a16="http://schemas.microsoft.com/office/drawing/2014/main" id="{52A618A3-4EC6-40CD-97BC-271ED9B7D2C9}"/>
               </a:ext>
             </a:extLst>
           </p:cNvPr>
@@ -43138,7 +43132,7 @@
           <p:cNvPr id="9" name="타원 8">
             <a:extLst>
               <a:ext uri="{FF2B5EF4-FFF2-40B4-BE49-F238E27FC236}">
-                <a16:creationId xmlns:a16="http://schemas.microsoft.com/office/drawing/2014/main" xmlns="" id="{DC1D1A18-DF3E-4E69-8EAA-5E0B8C53F03D}"/>
+                <a16:creationId xmlns="" xmlns:a16="http://schemas.microsoft.com/office/drawing/2014/main" id="{DC1D1A18-DF3E-4E69-8EAA-5E0B8C53F03D}"/>
               </a:ext>
             </a:extLst>
           </p:cNvPr>
@@ -43192,7 +43186,7 @@
           <p:cNvPr id="10" name="타원 9">
             <a:extLst>
               <a:ext uri="{FF2B5EF4-FFF2-40B4-BE49-F238E27FC236}">
-                <a16:creationId xmlns:a16="http://schemas.microsoft.com/office/drawing/2014/main" xmlns="" id="{46EC7092-78F8-4846-AEE2-067A1936736D}"/>
+                <a16:creationId xmlns="" xmlns:a16="http://schemas.microsoft.com/office/drawing/2014/main" id="{46EC7092-78F8-4846-AEE2-067A1936736D}"/>
               </a:ext>
             </a:extLst>
           </p:cNvPr>
@@ -43246,7 +43240,7 @@
           <p:cNvPr id="11" name="TextBox 10">
             <a:extLst>
               <a:ext uri="{FF2B5EF4-FFF2-40B4-BE49-F238E27FC236}">
-                <a16:creationId xmlns:a16="http://schemas.microsoft.com/office/drawing/2014/main" xmlns="" id="{2A9DE1FF-0E8D-4F5C-9907-8A62644C680C}"/>
+                <a16:creationId xmlns="" xmlns:a16="http://schemas.microsoft.com/office/drawing/2014/main" id="{2A9DE1FF-0E8D-4F5C-9907-8A62644C680C}"/>
               </a:ext>
             </a:extLst>
           </p:cNvPr>
@@ -43314,7 +43308,7 @@
           <p:cNvPr id="12" name="TextBox 11">
             <a:extLst>
               <a:ext uri="{FF2B5EF4-FFF2-40B4-BE49-F238E27FC236}">
-                <a16:creationId xmlns:a16="http://schemas.microsoft.com/office/drawing/2014/main" xmlns="" id="{1B7725B1-1D04-4D81-9CB7-A870D8E2B1A1}"/>
+                <a16:creationId xmlns="" xmlns:a16="http://schemas.microsoft.com/office/drawing/2014/main" id="{1B7725B1-1D04-4D81-9CB7-A870D8E2B1A1}"/>
               </a:ext>
             </a:extLst>
           </p:cNvPr>
@@ -43382,7 +43376,7 @@
           <p:cNvPr id="13" name="TextBox 12">
             <a:extLst>
               <a:ext uri="{FF2B5EF4-FFF2-40B4-BE49-F238E27FC236}">
-                <a16:creationId xmlns:a16="http://schemas.microsoft.com/office/drawing/2014/main" xmlns="" id="{AA07E538-D8C6-412C-A9A5-413608A25053}"/>
+                <a16:creationId xmlns="" xmlns:a16="http://schemas.microsoft.com/office/drawing/2014/main" id="{AA07E538-D8C6-412C-A9A5-413608A25053}"/>
               </a:ext>
             </a:extLst>
           </p:cNvPr>
@@ -43487,7 +43481,7 @@
           <p:cNvPr id="7" name="제목 1">
             <a:extLst>
               <a:ext uri="{FF2B5EF4-FFF2-40B4-BE49-F238E27FC236}">
-                <a16:creationId xmlns:a16="http://schemas.microsoft.com/office/drawing/2014/main" xmlns="" id="{86746E76-5781-4B0F-A36F-E50D0A753791}"/>
+                <a16:creationId xmlns="" xmlns:a16="http://schemas.microsoft.com/office/drawing/2014/main" id="{86746E76-5781-4B0F-A36F-E50D0A753791}"/>
               </a:ext>
             </a:extLst>
           </p:cNvPr>
@@ -43520,7 +43514,7 @@
           <p:cNvPr id="3" name="텍스트 개체 틀 2">
             <a:extLst>
               <a:ext uri="{FF2B5EF4-FFF2-40B4-BE49-F238E27FC236}">
-                <a16:creationId xmlns:a16="http://schemas.microsoft.com/office/drawing/2014/main" xmlns="" id="{2188ED82-13CC-47E3-9924-54BA55D69AC0}"/>
+                <a16:creationId xmlns="" xmlns:a16="http://schemas.microsoft.com/office/drawing/2014/main" id="{2188ED82-13CC-47E3-9924-54BA55D69AC0}"/>
               </a:ext>
             </a:extLst>
           </p:cNvPr>
@@ -43558,7 +43552,7 @@
           <p:cNvPr id="4" name="내용 개체 틀 3">
             <a:extLst>
               <a:ext uri="{FF2B5EF4-FFF2-40B4-BE49-F238E27FC236}">
-                <a16:creationId xmlns:a16="http://schemas.microsoft.com/office/drawing/2014/main" xmlns="" id="{00EA14A7-D0ED-47EF-B104-25D679464560}"/>
+                <a16:creationId xmlns="" xmlns:a16="http://schemas.microsoft.com/office/drawing/2014/main" id="{00EA14A7-D0ED-47EF-B104-25D679464560}"/>
               </a:ext>
             </a:extLst>
           </p:cNvPr>
@@ -43611,7 +43605,7 @@
           <p:cNvPr id="5" name="텍스트 개체 틀 4">
             <a:extLst>
               <a:ext uri="{FF2B5EF4-FFF2-40B4-BE49-F238E27FC236}">
-                <a16:creationId xmlns:a16="http://schemas.microsoft.com/office/drawing/2014/main" xmlns="" id="{2480861A-4ED3-42A3-8F21-A8709AB266C1}"/>
+                <a16:creationId xmlns="" xmlns:a16="http://schemas.microsoft.com/office/drawing/2014/main" id="{2480861A-4ED3-42A3-8F21-A8709AB266C1}"/>
               </a:ext>
             </a:extLst>
           </p:cNvPr>
@@ -43649,7 +43643,7 @@
           <p:cNvPr id="6" name="내용 개체 틀 5">
             <a:extLst>
               <a:ext uri="{FF2B5EF4-FFF2-40B4-BE49-F238E27FC236}">
-                <a16:creationId xmlns:a16="http://schemas.microsoft.com/office/drawing/2014/main" xmlns="" id="{1BDBE1CE-3889-426D-84FE-4AEE5B2C1121}"/>
+                <a16:creationId xmlns="" xmlns:a16="http://schemas.microsoft.com/office/drawing/2014/main" id="{1BDBE1CE-3889-426D-84FE-4AEE5B2C1121}"/>
               </a:ext>
             </a:extLst>
           </p:cNvPr>
@@ -43690,7 +43684,7 @@
           <p:cNvPr id="8" name="Picture 2">
             <a:extLst>
               <a:ext uri="{FF2B5EF4-FFF2-40B4-BE49-F238E27FC236}">
-                <a16:creationId xmlns:a16="http://schemas.microsoft.com/office/drawing/2014/main" xmlns="" id="{EE1D6699-277E-47F0-82F3-649029613CE4}"/>
+                <a16:creationId xmlns="" xmlns:a16="http://schemas.microsoft.com/office/drawing/2014/main" id="{EE1D6699-277E-47F0-82F3-649029613CE4}"/>
               </a:ext>
             </a:extLst>
           </p:cNvPr>
@@ -43737,7 +43731,7 @@
           <p:cNvPr id="9" name="TextBox 8">
             <a:extLst>
               <a:ext uri="{FF2B5EF4-FFF2-40B4-BE49-F238E27FC236}">
-                <a16:creationId xmlns:a16="http://schemas.microsoft.com/office/drawing/2014/main" xmlns="" id="{6C5899B3-170A-40F8-AF8A-814CA4E87A76}"/>
+                <a16:creationId xmlns="" xmlns:a16="http://schemas.microsoft.com/office/drawing/2014/main" id="{6C5899B3-170A-40F8-AF8A-814CA4E87A76}"/>
               </a:ext>
             </a:extLst>
           </p:cNvPr>
@@ -43777,7 +43771,7 @@
           <p:cNvPr id="11" name="Picture 2">
             <a:extLst>
               <a:ext uri="{FF2B5EF4-FFF2-40B4-BE49-F238E27FC236}">
-                <a16:creationId xmlns:a16="http://schemas.microsoft.com/office/drawing/2014/main" xmlns="" id="{E2E6F63B-B415-429C-ABAC-4832EED8C218}"/>
+                <a16:creationId xmlns="" xmlns:a16="http://schemas.microsoft.com/office/drawing/2014/main" id="{E2E6F63B-B415-429C-ABAC-4832EED8C218}"/>
               </a:ext>
             </a:extLst>
           </p:cNvPr>
@@ -43824,7 +43818,7 @@
           <p:cNvPr id="13" name="직선 연결선 12">
             <a:extLst>
               <a:ext uri="{FF2B5EF4-FFF2-40B4-BE49-F238E27FC236}">
-                <a16:creationId xmlns:a16="http://schemas.microsoft.com/office/drawing/2014/main" xmlns="" id="{1D2E0C07-8B46-4B5E-84EF-5907DBA7EA7F}"/>
+                <a16:creationId xmlns="" xmlns:a16="http://schemas.microsoft.com/office/drawing/2014/main" id="{1D2E0C07-8B46-4B5E-84EF-5907DBA7EA7F}"/>
               </a:ext>
             </a:extLst>
           </p:cNvPr>
@@ -43865,7 +43859,7 @@
           <p:cNvPr id="16" name="직선 연결선 15">
             <a:extLst>
               <a:ext uri="{FF2B5EF4-FFF2-40B4-BE49-F238E27FC236}">
-                <a16:creationId xmlns:a16="http://schemas.microsoft.com/office/drawing/2014/main" xmlns="" id="{FABF9F3D-BCA2-478F-8231-E85C0F8D9DBB}"/>
+                <a16:creationId xmlns="" xmlns:a16="http://schemas.microsoft.com/office/drawing/2014/main" id="{FABF9F3D-BCA2-478F-8231-E85C0F8D9DBB}"/>
               </a:ext>
             </a:extLst>
           </p:cNvPr>
@@ -43908,7 +43902,7 @@
           <p:cNvPr id="19" name="직선 연결선 18">
             <a:extLst>
               <a:ext uri="{FF2B5EF4-FFF2-40B4-BE49-F238E27FC236}">
-                <a16:creationId xmlns:a16="http://schemas.microsoft.com/office/drawing/2014/main" xmlns="" id="{1CC1765E-CF07-449A-8E09-91CAFC4384AA}"/>
+                <a16:creationId xmlns="" xmlns:a16="http://schemas.microsoft.com/office/drawing/2014/main" id="{1CC1765E-CF07-449A-8E09-91CAFC4384AA}"/>
               </a:ext>
             </a:extLst>
           </p:cNvPr>
@@ -43951,7 +43945,7 @@
           <p:cNvPr id="21" name="직선 연결선 20">
             <a:extLst>
               <a:ext uri="{FF2B5EF4-FFF2-40B4-BE49-F238E27FC236}">
-                <a16:creationId xmlns:a16="http://schemas.microsoft.com/office/drawing/2014/main" xmlns="" id="{FDE1ACB6-223D-4712-AEAD-430930F44E2A}"/>
+                <a16:creationId xmlns="" xmlns:a16="http://schemas.microsoft.com/office/drawing/2014/main" id="{FDE1ACB6-223D-4712-AEAD-430930F44E2A}"/>
               </a:ext>
             </a:extLst>
           </p:cNvPr>
@@ -43994,7 +43988,7 @@
           <p:cNvPr id="24" name="직선 연결선 23">
             <a:extLst>
               <a:ext uri="{FF2B5EF4-FFF2-40B4-BE49-F238E27FC236}">
-                <a16:creationId xmlns:a16="http://schemas.microsoft.com/office/drawing/2014/main" xmlns="" id="{CDD210BC-B3F9-4138-8FC9-38C6926CB281}"/>
+                <a16:creationId xmlns="" xmlns:a16="http://schemas.microsoft.com/office/drawing/2014/main" id="{CDD210BC-B3F9-4138-8FC9-38C6926CB281}"/>
               </a:ext>
             </a:extLst>
           </p:cNvPr>
@@ -44037,7 +44031,7 @@
           <p:cNvPr id="25" name="직선 연결선 24">
             <a:extLst>
               <a:ext uri="{FF2B5EF4-FFF2-40B4-BE49-F238E27FC236}">
-                <a16:creationId xmlns:a16="http://schemas.microsoft.com/office/drawing/2014/main" xmlns="" id="{C50DE510-27CD-4278-BEFC-3F68F1F1B2A1}"/>
+                <a16:creationId xmlns="" xmlns:a16="http://schemas.microsoft.com/office/drawing/2014/main" id="{C50DE510-27CD-4278-BEFC-3F68F1F1B2A1}"/>
               </a:ext>
             </a:extLst>
           </p:cNvPr>
@@ -44080,7 +44074,7 @@
           <p:cNvPr id="28" name="직선 연결선 27">
             <a:extLst>
               <a:ext uri="{FF2B5EF4-FFF2-40B4-BE49-F238E27FC236}">
-                <a16:creationId xmlns:a16="http://schemas.microsoft.com/office/drawing/2014/main" xmlns="" id="{10B5E5B7-A055-4BC4-B5D9-AC8E22CDE7C3}"/>
+                <a16:creationId xmlns="" xmlns:a16="http://schemas.microsoft.com/office/drawing/2014/main" id="{10B5E5B7-A055-4BC4-B5D9-AC8E22CDE7C3}"/>
               </a:ext>
             </a:extLst>
           </p:cNvPr>
@@ -44123,7 +44117,7 @@
           <p:cNvPr id="29" name="직선 연결선 28">
             <a:extLst>
               <a:ext uri="{FF2B5EF4-FFF2-40B4-BE49-F238E27FC236}">
-                <a16:creationId xmlns:a16="http://schemas.microsoft.com/office/drawing/2014/main" xmlns="" id="{062B87A8-2DEE-471E-89A1-C5C2DC1136D3}"/>
+                <a16:creationId xmlns="" xmlns:a16="http://schemas.microsoft.com/office/drawing/2014/main" id="{062B87A8-2DEE-471E-89A1-C5C2DC1136D3}"/>
               </a:ext>
             </a:extLst>
           </p:cNvPr>
@@ -44166,7 +44160,7 @@
           <p:cNvPr id="30" name="직선 연결선 29">
             <a:extLst>
               <a:ext uri="{FF2B5EF4-FFF2-40B4-BE49-F238E27FC236}">
-                <a16:creationId xmlns:a16="http://schemas.microsoft.com/office/drawing/2014/main" xmlns="" id="{F29FBB16-B1A9-453D-AA1D-E50D333CE5C1}"/>
+                <a16:creationId xmlns="" xmlns:a16="http://schemas.microsoft.com/office/drawing/2014/main" id="{F29FBB16-B1A9-453D-AA1D-E50D333CE5C1}"/>
               </a:ext>
             </a:extLst>
           </p:cNvPr>
@@ -44209,7 +44203,7 @@
           <p:cNvPr id="32" name="직선 연결선 31">
             <a:extLst>
               <a:ext uri="{FF2B5EF4-FFF2-40B4-BE49-F238E27FC236}">
-                <a16:creationId xmlns:a16="http://schemas.microsoft.com/office/drawing/2014/main" xmlns="" id="{825504FB-6002-4760-8DD1-83B03BDFC2CC}"/>
+                <a16:creationId xmlns="" xmlns:a16="http://schemas.microsoft.com/office/drawing/2014/main" id="{825504FB-6002-4760-8DD1-83B03BDFC2CC}"/>
               </a:ext>
             </a:extLst>
           </p:cNvPr>
@@ -44252,7 +44246,7 @@
           <p:cNvPr id="34" name="직선 연결선 33">
             <a:extLst>
               <a:ext uri="{FF2B5EF4-FFF2-40B4-BE49-F238E27FC236}">
-                <a16:creationId xmlns:a16="http://schemas.microsoft.com/office/drawing/2014/main" xmlns="" id="{CDA50B05-A5A8-402E-BE56-BA5D6D33F443}"/>
+                <a16:creationId xmlns="" xmlns:a16="http://schemas.microsoft.com/office/drawing/2014/main" id="{CDA50B05-A5A8-402E-BE56-BA5D6D33F443}"/>
               </a:ext>
             </a:extLst>
           </p:cNvPr>
@@ -44295,7 +44289,7 @@
           <p:cNvPr id="36" name="직선 연결선 35">
             <a:extLst>
               <a:ext uri="{FF2B5EF4-FFF2-40B4-BE49-F238E27FC236}">
-                <a16:creationId xmlns:a16="http://schemas.microsoft.com/office/drawing/2014/main" xmlns="" id="{ACA87EB2-4DA4-4F93-BAD0-4BE697A9B210}"/>
+                <a16:creationId xmlns="" xmlns:a16="http://schemas.microsoft.com/office/drawing/2014/main" id="{ACA87EB2-4DA4-4F93-BAD0-4BE697A9B210}"/>
               </a:ext>
             </a:extLst>
           </p:cNvPr>
@@ -44375,7 +44369,7 @@
           <p:cNvPr id="2" name="제목 1">
             <a:extLst>
               <a:ext uri="{FF2B5EF4-FFF2-40B4-BE49-F238E27FC236}">
-                <a16:creationId xmlns:a16="http://schemas.microsoft.com/office/drawing/2014/main" xmlns="" id="{AD7962EC-5E25-4B40-949C-0D568BF08203}"/>
+                <a16:creationId xmlns="" xmlns:a16="http://schemas.microsoft.com/office/drawing/2014/main" id="{AD7962EC-5E25-4B40-949C-0D568BF08203}"/>
               </a:ext>
             </a:extLst>
           </p:cNvPr>
@@ -44404,7 +44398,7 @@
           <p:cNvPr id="4" name="Picture 2">
             <a:extLst>
               <a:ext uri="{FF2B5EF4-FFF2-40B4-BE49-F238E27FC236}">
-                <a16:creationId xmlns:a16="http://schemas.microsoft.com/office/drawing/2014/main" xmlns="" id="{8DE81923-1667-4275-8B10-D004AC82AE04}"/>
+                <a16:creationId xmlns="" xmlns:a16="http://schemas.microsoft.com/office/drawing/2014/main" id="{8DE81923-1667-4275-8B10-D004AC82AE04}"/>
               </a:ext>
             </a:extLst>
           </p:cNvPr>
@@ -44451,7 +44445,7 @@
           <p:cNvPr id="5" name="타원 4">
             <a:extLst>
               <a:ext uri="{FF2B5EF4-FFF2-40B4-BE49-F238E27FC236}">
-                <a16:creationId xmlns:a16="http://schemas.microsoft.com/office/drawing/2014/main" xmlns="" id="{B3604B6F-D216-47FB-9749-EAAA35C4976A}"/>
+                <a16:creationId xmlns="" xmlns:a16="http://schemas.microsoft.com/office/drawing/2014/main" id="{B3604B6F-D216-47FB-9749-EAAA35C4976A}"/>
               </a:ext>
             </a:extLst>
           </p:cNvPr>
@@ -44503,7 +44497,7 @@
           <p:cNvPr id="6" name="TextBox 5">
             <a:extLst>
               <a:ext uri="{FF2B5EF4-FFF2-40B4-BE49-F238E27FC236}">
-                <a16:creationId xmlns:a16="http://schemas.microsoft.com/office/drawing/2014/main" xmlns="" id="{FDBB0C31-ACEE-4719-8EB7-0A94EAAA3B40}"/>
+                <a16:creationId xmlns="" xmlns:a16="http://schemas.microsoft.com/office/drawing/2014/main" id="{FDBB0C31-ACEE-4719-8EB7-0A94EAAA3B40}"/>
               </a:ext>
             </a:extLst>
           </p:cNvPr>
@@ -44543,7 +44537,7 @@
           <p:cNvPr id="7" name="제목 1">
             <a:extLst>
               <a:ext uri="{FF2B5EF4-FFF2-40B4-BE49-F238E27FC236}">
-                <a16:creationId xmlns:a16="http://schemas.microsoft.com/office/drawing/2014/main" xmlns="" id="{86746E76-5781-4B0F-A36F-E50D0A753791}"/>
+                <a16:creationId xmlns="" xmlns:a16="http://schemas.microsoft.com/office/drawing/2014/main" id="{86746E76-5781-4B0F-A36F-E50D0A753791}"/>
               </a:ext>
             </a:extLst>
           </p:cNvPr>
@@ -44710,7 +44704,7 @@
           <p:cNvPr id="2" name="제목 1">
             <a:extLst>
               <a:ext uri="{FF2B5EF4-FFF2-40B4-BE49-F238E27FC236}">
-                <a16:creationId xmlns:a16="http://schemas.microsoft.com/office/drawing/2014/main" xmlns="" id="{AD7962EC-5E25-4B40-949C-0D568BF08203}"/>
+                <a16:creationId xmlns="" xmlns:a16="http://schemas.microsoft.com/office/drawing/2014/main" id="{AD7962EC-5E25-4B40-949C-0D568BF08203}"/>
               </a:ext>
             </a:extLst>
           </p:cNvPr>
@@ -44739,7 +44733,7 @@
           <p:cNvPr id="4" name="Picture 2">
             <a:extLst>
               <a:ext uri="{FF2B5EF4-FFF2-40B4-BE49-F238E27FC236}">
-                <a16:creationId xmlns:a16="http://schemas.microsoft.com/office/drawing/2014/main" xmlns="" id="{8DE81923-1667-4275-8B10-D004AC82AE04}"/>
+                <a16:creationId xmlns="" xmlns:a16="http://schemas.microsoft.com/office/drawing/2014/main" id="{8DE81923-1667-4275-8B10-D004AC82AE04}"/>
               </a:ext>
             </a:extLst>
           </p:cNvPr>
@@ -44786,7 +44780,7 @@
           <p:cNvPr id="5" name="타원 4">
             <a:extLst>
               <a:ext uri="{FF2B5EF4-FFF2-40B4-BE49-F238E27FC236}">
-                <a16:creationId xmlns:a16="http://schemas.microsoft.com/office/drawing/2014/main" xmlns="" id="{B3604B6F-D216-47FB-9749-EAAA35C4976A}"/>
+                <a16:creationId xmlns="" xmlns:a16="http://schemas.microsoft.com/office/drawing/2014/main" id="{B3604B6F-D216-47FB-9749-EAAA35C4976A}"/>
               </a:ext>
             </a:extLst>
           </p:cNvPr>
@@ -44838,7 +44832,7 @@
           <p:cNvPr id="6" name="TextBox 5">
             <a:extLst>
               <a:ext uri="{FF2B5EF4-FFF2-40B4-BE49-F238E27FC236}">
-                <a16:creationId xmlns:a16="http://schemas.microsoft.com/office/drawing/2014/main" xmlns="" id="{FDBB0C31-ACEE-4719-8EB7-0A94EAAA3B40}"/>
+                <a16:creationId xmlns="" xmlns:a16="http://schemas.microsoft.com/office/drawing/2014/main" id="{FDBB0C31-ACEE-4719-8EB7-0A94EAAA3B40}"/>
               </a:ext>
             </a:extLst>
           </p:cNvPr>
@@ -44874,7 +44868,7 @@
           <p:cNvPr id="7" name="타원 6">
             <a:extLst>
               <a:ext uri="{FF2B5EF4-FFF2-40B4-BE49-F238E27FC236}">
-                <a16:creationId xmlns:a16="http://schemas.microsoft.com/office/drawing/2014/main" xmlns="" id="{49432127-ADEF-40B5-A37A-394B81C69830}"/>
+                <a16:creationId xmlns="" xmlns:a16="http://schemas.microsoft.com/office/drawing/2014/main" id="{49432127-ADEF-40B5-A37A-394B81C69830}"/>
               </a:ext>
             </a:extLst>
           </p:cNvPr>
@@ -44926,7 +44920,7 @@
           <p:cNvPr id="8" name="타원 7">
             <a:extLst>
               <a:ext uri="{FF2B5EF4-FFF2-40B4-BE49-F238E27FC236}">
-                <a16:creationId xmlns:a16="http://schemas.microsoft.com/office/drawing/2014/main" xmlns="" id="{63795390-C1A1-4B51-888D-A1ADCEEE240D}"/>
+                <a16:creationId xmlns="" xmlns:a16="http://schemas.microsoft.com/office/drawing/2014/main" id="{63795390-C1A1-4B51-888D-A1ADCEEE240D}"/>
               </a:ext>
             </a:extLst>
           </p:cNvPr>
@@ -44978,7 +44972,7 @@
           <p:cNvPr id="9" name="제목 1">
             <a:extLst>
               <a:ext uri="{FF2B5EF4-FFF2-40B4-BE49-F238E27FC236}">
-                <a16:creationId xmlns:a16="http://schemas.microsoft.com/office/drawing/2014/main" xmlns="" id="{86746E76-5781-4B0F-A36F-E50D0A753791}"/>
+                <a16:creationId xmlns="" xmlns:a16="http://schemas.microsoft.com/office/drawing/2014/main" id="{86746E76-5781-4B0F-A36F-E50D0A753791}"/>
               </a:ext>
             </a:extLst>
           </p:cNvPr>
@@ -45219,7 +45213,7 @@
           <p:cNvPr id="2" name="제목 1">
             <a:extLst>
               <a:ext uri="{FF2B5EF4-FFF2-40B4-BE49-F238E27FC236}">
-                <a16:creationId xmlns:a16="http://schemas.microsoft.com/office/drawing/2014/main" xmlns="" id="{AD7962EC-5E25-4B40-949C-0D568BF08203}"/>
+                <a16:creationId xmlns="" xmlns:a16="http://schemas.microsoft.com/office/drawing/2014/main" id="{AD7962EC-5E25-4B40-949C-0D568BF08203}"/>
               </a:ext>
             </a:extLst>
           </p:cNvPr>
@@ -45248,7 +45242,7 @@
           <p:cNvPr id="4" name="Picture 2">
             <a:extLst>
               <a:ext uri="{FF2B5EF4-FFF2-40B4-BE49-F238E27FC236}">
-                <a16:creationId xmlns:a16="http://schemas.microsoft.com/office/drawing/2014/main" xmlns="" id="{8DE81923-1667-4275-8B10-D004AC82AE04}"/>
+                <a16:creationId xmlns="" xmlns:a16="http://schemas.microsoft.com/office/drawing/2014/main" id="{8DE81923-1667-4275-8B10-D004AC82AE04}"/>
               </a:ext>
             </a:extLst>
           </p:cNvPr>
@@ -45295,7 +45289,7 @@
           <p:cNvPr id="6" name="TextBox 5">
             <a:extLst>
               <a:ext uri="{FF2B5EF4-FFF2-40B4-BE49-F238E27FC236}">
-                <a16:creationId xmlns:a16="http://schemas.microsoft.com/office/drawing/2014/main" xmlns="" id="{FDBB0C31-ACEE-4719-8EB7-0A94EAAA3B40}"/>
+                <a16:creationId xmlns="" xmlns:a16="http://schemas.microsoft.com/office/drawing/2014/main" id="{FDBB0C31-ACEE-4719-8EB7-0A94EAAA3B40}"/>
               </a:ext>
             </a:extLst>
           </p:cNvPr>
@@ -45331,7 +45325,7 @@
           <p:cNvPr id="3" name="TextBox 2">
             <a:extLst>
               <a:ext uri="{FF2B5EF4-FFF2-40B4-BE49-F238E27FC236}">
-                <a16:creationId xmlns:a16="http://schemas.microsoft.com/office/drawing/2014/main" xmlns="" id="{A3206AC4-DBB7-4EE2-8E6C-C8103993ABA4}"/>
+                <a16:creationId xmlns="" xmlns:a16="http://schemas.microsoft.com/office/drawing/2014/main" id="{A3206AC4-DBB7-4EE2-8E6C-C8103993ABA4}"/>
               </a:ext>
             </a:extLst>
           </p:cNvPr>
@@ -45399,7 +45393,7 @@
           <p:cNvPr id="9" name="타원 8">
             <a:extLst>
               <a:ext uri="{FF2B5EF4-FFF2-40B4-BE49-F238E27FC236}">
-                <a16:creationId xmlns:a16="http://schemas.microsoft.com/office/drawing/2014/main" xmlns="" id="{41F83E23-46EC-4D6E-917C-5417F69FB24D}"/>
+                <a16:creationId xmlns="" xmlns:a16="http://schemas.microsoft.com/office/drawing/2014/main" id="{41F83E23-46EC-4D6E-917C-5417F69FB24D}"/>
               </a:ext>
             </a:extLst>
           </p:cNvPr>
@@ -45451,7 +45445,7 @@
           <p:cNvPr id="10" name="타원 9">
             <a:extLst>
               <a:ext uri="{FF2B5EF4-FFF2-40B4-BE49-F238E27FC236}">
-                <a16:creationId xmlns:a16="http://schemas.microsoft.com/office/drawing/2014/main" xmlns="" id="{21F09974-0B86-4AA1-AF77-AD11722AAA5A}"/>
+                <a16:creationId xmlns="" xmlns:a16="http://schemas.microsoft.com/office/drawing/2014/main" id="{21F09974-0B86-4AA1-AF77-AD11722AAA5A}"/>
               </a:ext>
             </a:extLst>
           </p:cNvPr>
@@ -45503,7 +45497,7 @@
           <p:cNvPr id="11" name="타원 10">
             <a:extLst>
               <a:ext uri="{FF2B5EF4-FFF2-40B4-BE49-F238E27FC236}">
-                <a16:creationId xmlns:a16="http://schemas.microsoft.com/office/drawing/2014/main" xmlns="" id="{A7D990F0-B7CE-401B-9DC4-C2FC6B4A866D}"/>
+                <a16:creationId xmlns="" xmlns:a16="http://schemas.microsoft.com/office/drawing/2014/main" id="{A7D990F0-B7CE-401B-9DC4-C2FC6B4A866D}"/>
               </a:ext>
             </a:extLst>
           </p:cNvPr>
@@ -45555,7 +45549,7 @@
           <p:cNvPr id="12" name="제목 1">
             <a:extLst>
               <a:ext uri="{FF2B5EF4-FFF2-40B4-BE49-F238E27FC236}">
-                <a16:creationId xmlns:a16="http://schemas.microsoft.com/office/drawing/2014/main" xmlns="" id="{86746E76-5781-4B0F-A36F-E50D0A753791}"/>
+                <a16:creationId xmlns="" xmlns:a16="http://schemas.microsoft.com/office/drawing/2014/main" id="{86746E76-5781-4B0F-A36F-E50D0A753791}"/>
               </a:ext>
             </a:extLst>
           </p:cNvPr>
@@ -45952,7 +45946,7 @@
           <p:cNvPr id="2" name="제목 1">
             <a:extLst>
               <a:ext uri="{FF2B5EF4-FFF2-40B4-BE49-F238E27FC236}">
-                <a16:creationId xmlns:a16="http://schemas.microsoft.com/office/drawing/2014/main" xmlns="" id="{AD7962EC-5E25-4B40-949C-0D568BF08203}"/>
+                <a16:creationId xmlns="" xmlns:a16="http://schemas.microsoft.com/office/drawing/2014/main" id="{AD7962EC-5E25-4B40-949C-0D568BF08203}"/>
               </a:ext>
             </a:extLst>
           </p:cNvPr>
@@ -45981,7 +45975,7 @@
           <p:cNvPr id="4" name="Picture 2">
             <a:extLst>
               <a:ext uri="{FF2B5EF4-FFF2-40B4-BE49-F238E27FC236}">
-                <a16:creationId xmlns:a16="http://schemas.microsoft.com/office/drawing/2014/main" xmlns="" id="{8DE81923-1667-4275-8B10-D004AC82AE04}"/>
+                <a16:creationId xmlns="" xmlns:a16="http://schemas.microsoft.com/office/drawing/2014/main" id="{8DE81923-1667-4275-8B10-D004AC82AE04}"/>
               </a:ext>
             </a:extLst>
           </p:cNvPr>
@@ -46028,7 +46022,7 @@
           <p:cNvPr id="6" name="TextBox 5">
             <a:extLst>
               <a:ext uri="{FF2B5EF4-FFF2-40B4-BE49-F238E27FC236}">
-                <a16:creationId xmlns:a16="http://schemas.microsoft.com/office/drawing/2014/main" xmlns="" id="{FDBB0C31-ACEE-4719-8EB7-0A94EAAA3B40}"/>
+                <a16:creationId xmlns="" xmlns:a16="http://schemas.microsoft.com/office/drawing/2014/main" id="{FDBB0C31-ACEE-4719-8EB7-0A94EAAA3B40}"/>
               </a:ext>
             </a:extLst>
           </p:cNvPr>
@@ -46064,7 +46058,7 @@
           <p:cNvPr id="9" name="타원 8">
             <a:extLst>
               <a:ext uri="{FF2B5EF4-FFF2-40B4-BE49-F238E27FC236}">
-                <a16:creationId xmlns:a16="http://schemas.microsoft.com/office/drawing/2014/main" xmlns="" id="{41F83E23-46EC-4D6E-917C-5417F69FB24D}"/>
+                <a16:creationId xmlns="" xmlns:a16="http://schemas.microsoft.com/office/drawing/2014/main" id="{41F83E23-46EC-4D6E-917C-5417F69FB24D}"/>
               </a:ext>
             </a:extLst>
           </p:cNvPr>
@@ -46116,7 +46110,7 @@
           <p:cNvPr id="10" name="타원 9">
             <a:extLst>
               <a:ext uri="{FF2B5EF4-FFF2-40B4-BE49-F238E27FC236}">
-                <a16:creationId xmlns:a16="http://schemas.microsoft.com/office/drawing/2014/main" xmlns="" id="{21F09974-0B86-4AA1-AF77-AD11722AAA5A}"/>
+                <a16:creationId xmlns="" xmlns:a16="http://schemas.microsoft.com/office/drawing/2014/main" id="{21F09974-0B86-4AA1-AF77-AD11722AAA5A}"/>
               </a:ext>
             </a:extLst>
           </p:cNvPr>
@@ -46168,7 +46162,7 @@
           <p:cNvPr id="11" name="타원 10">
             <a:extLst>
               <a:ext uri="{FF2B5EF4-FFF2-40B4-BE49-F238E27FC236}">
-                <a16:creationId xmlns:a16="http://schemas.microsoft.com/office/drawing/2014/main" xmlns="" id="{A7D990F0-B7CE-401B-9DC4-C2FC6B4A866D}"/>
+                <a16:creationId xmlns="" xmlns:a16="http://schemas.microsoft.com/office/drawing/2014/main" id="{A7D990F0-B7CE-401B-9DC4-C2FC6B4A866D}"/>
               </a:ext>
             </a:extLst>
           </p:cNvPr>
@@ -46220,7 +46214,7 @@
           <p:cNvPr id="8" name="제목 1">
             <a:extLst>
               <a:ext uri="{FF2B5EF4-FFF2-40B4-BE49-F238E27FC236}">
-                <a16:creationId xmlns:a16="http://schemas.microsoft.com/office/drawing/2014/main" xmlns="" id="{86746E76-5781-4B0F-A36F-E50D0A753791}"/>
+                <a16:creationId xmlns="" xmlns:a16="http://schemas.microsoft.com/office/drawing/2014/main" id="{86746E76-5781-4B0F-A36F-E50D0A753791}"/>
               </a:ext>
             </a:extLst>
           </p:cNvPr>
